--- a/Laptop Price Prediction.pptx
+++ b/Laptop Price Prediction.pptx
@@ -238,7 +238,7 @@
           <a:p>
             <a:fld id="{D1CB9CF0-A540-4793-A5F3-F4917CFDDCB6}" type="datetimeFigureOut">
               <a:rPr lang="en-US" smtClean="0"/>
-              <a:t>5/4/2022</a:t>
+              <a:t>5/18/2022</a:t>
             </a:fld>
             <a:endParaRPr lang="en-US" dirty="0"/>
           </a:p>
@@ -415,7 +415,7 @@
           <a:p>
             <a:fld id="{EDA03753-A5BE-4D79-AEA9-C0A65A6F8851}" type="datetimeFigureOut">
               <a:rPr lang="en-US" smtClean="0"/>
-              <a:t>5/4/2022</a:t>
+              <a:t>5/18/2022</a:t>
             </a:fld>
             <a:endParaRPr lang="en-US" dirty="0"/>
           </a:p>
@@ -10180,7 +10180,7 @@
                   </a:outerShdw>
                 </a:effectLst>
               </a:rPr>
-              <a:t>Feature Engineering</a:t>
+              <a:t>Data Wrangling</a:t>
             </a:r>
             <a:endParaRPr lang="en-US" sz="2400" b="1" dirty="0">
               <a:ln w="12700">
@@ -10311,7 +10311,19 @@
                 <a:effectLst/>
                 <a:latin typeface="Abadi Extra Light" panose="020B0604020202020204" pitchFamily="34" charset="0"/>
               </a:rPr>
-              <a:t>1 kg ≈ 2.205</a:t>
+              <a:t>1 kg ≈ 2.205 </a:t>
+            </a:r>
+            <a:r>
+              <a:rPr lang="en-US" sz="3200" b="1" i="0" dirty="0" err="1">
+                <a:solidFill>
+                  <a:schemeClr val="bg1">
+                    <a:lumMod val="75000"/>
+                  </a:schemeClr>
+                </a:solidFill>
+                <a:effectLst/>
+                <a:latin typeface="Abadi Extra Light" panose="020B0604020202020204" pitchFamily="34" charset="0"/>
+              </a:rPr>
+              <a:t>lb</a:t>
             </a:r>
             <a:endParaRPr lang="en-US" sz="3200" b="1" dirty="0">
               <a:solidFill>
@@ -11428,6 +11440,74 @@
           </a:p>
         </p:txBody>
       </p:sp>
+      <p:sp>
+        <p:nvSpPr>
+          <p:cNvPr id="2" name="TextBox 1">
+            <a:extLst>
+              <a:ext uri="{FF2B5EF4-FFF2-40B4-BE49-F238E27FC236}">
+                <a16:creationId xmlns:a16="http://schemas.microsoft.com/office/drawing/2014/main" id="{FE6C2160-817D-3C7D-8EE1-4A6373E675E2}"/>
+              </a:ext>
+            </a:extLst>
+          </p:cNvPr>
+          <p:cNvSpPr txBox="1"/>
+          <p:nvPr/>
+        </p:nvSpPr>
+        <p:spPr>
+          <a:xfrm>
+            <a:off x="507691" y="5821756"/>
+            <a:ext cx="11000629" cy="1323439"/>
+          </a:xfrm>
+          <a:prstGeom prst="rect">
+            <a:avLst/>
+          </a:prstGeom>
+          <a:noFill/>
+        </p:spPr>
+        <p:txBody>
+          <a:bodyPr wrap="square" rtlCol="0">
+            <a:spAutoFit/>
+          </a:bodyPr>
+          <a:lstStyle/>
+          <a:p>
+            <a:pPr algn="l"/>
+            <a:r>
+              <a:rPr lang="en-US" sz="2000" i="0" dirty="0">
+                <a:solidFill>
+                  <a:schemeClr val="accent1">
+                    <a:lumMod val="60000"/>
+                    <a:lumOff val="40000"/>
+                  </a:schemeClr>
+                </a:solidFill>
+                <a:effectLst/>
+                <a:latin typeface="Poor Richard" panose="02080502050505020702" pitchFamily="18" charset="0"/>
+              </a:rPr>
+              <a:t>The log transformation can be used to make highly skewed distributions less skewed. This can be valuable both for making patterns in the data more interpretable and for helping to meet the assumptions of inferential statistics.</a:t>
+            </a:r>
+          </a:p>
+          <a:p>
+            <a:br>
+              <a:rPr lang="en-US" sz="2000" i="0" dirty="0">
+                <a:solidFill>
+                  <a:schemeClr val="accent1">
+                    <a:lumMod val="60000"/>
+                    <a:lumOff val="40000"/>
+                  </a:schemeClr>
+                </a:solidFill>
+                <a:effectLst/>
+                <a:latin typeface="Poor Richard" panose="02080502050505020702" pitchFamily="18" charset="0"/>
+              </a:rPr>
+            </a:br>
+            <a:endParaRPr lang="en-US" sz="2000" dirty="0">
+              <a:solidFill>
+                <a:schemeClr val="accent1">
+                  <a:lumMod val="60000"/>
+                  <a:lumOff val="40000"/>
+                </a:schemeClr>
+              </a:solidFill>
+              <a:latin typeface="Poor Richard" panose="02080502050505020702" pitchFamily="18" charset="0"/>
+            </a:endParaRPr>
+          </a:p>
+        </p:txBody>
+      </p:sp>
     </p:spTree>
     <p:extLst>
       <p:ext uri="{BB962C8B-B14F-4D97-AF65-F5344CB8AC3E}">
@@ -11573,6 +11653,33 @@
                                   </p:childTnLst>
                                 </p:cTn>
                               </p:par>
+                              <p:par>
+                                <p:cTn id="15" presetID="1" presetClass="entr" presetSubtype="0" fill="hold" grpId="0" nodeType="withEffect">
+                                  <p:stCondLst>
+                                    <p:cond delay="0"/>
+                                  </p:stCondLst>
+                                  <p:childTnLst>
+                                    <p:set>
+                                      <p:cBhvr>
+                                        <p:cTn id="16" dur="1" fill="hold">
+                                          <p:stCondLst>
+                                            <p:cond delay="0"/>
+                                          </p:stCondLst>
+                                        </p:cTn>
+                                        <p:tgtEl>
+                                          <p:spTgt spid="2"/>
+                                        </p:tgtEl>
+                                        <p:attrNameLst>
+                                          <p:attrName>style.visibility</p:attrName>
+                                        </p:attrNameLst>
+                                      </p:cBhvr>
+                                      <p:to>
+                                        <p:strVal val="visible"/>
+                                      </p:to>
+                                    </p:set>
+                                  </p:childTnLst>
+                                </p:cTn>
+                              </p:par>
                             </p:childTnLst>
                           </p:cTn>
                         </p:par>
@@ -11580,26 +11687,26 @@
                     </p:cTn>
                   </p:par>
                   <p:par>
-                    <p:cTn id="15" fill="hold">
+                    <p:cTn id="17" fill="hold">
                       <p:stCondLst>
                         <p:cond delay="indefinite"/>
                       </p:stCondLst>
                       <p:childTnLst>
                         <p:par>
-                          <p:cTn id="16" fill="hold">
+                          <p:cTn id="18" fill="hold">
                             <p:stCondLst>
                               <p:cond delay="0"/>
                             </p:stCondLst>
                             <p:childTnLst>
                               <p:par>
-                                <p:cTn id="17" presetID="10" presetClass="entr" presetSubtype="0" fill="hold" nodeType="clickEffect">
+                                <p:cTn id="19" presetID="10" presetClass="entr" presetSubtype="0" fill="hold" nodeType="clickEffect">
                                   <p:stCondLst>
                                     <p:cond delay="0"/>
                                   </p:stCondLst>
                                   <p:childTnLst>
                                     <p:set>
                                       <p:cBhvr>
-                                        <p:cTn id="18" dur="1" fill="hold">
+                                        <p:cTn id="20" dur="1" fill="hold">
                                           <p:stCondLst>
                                             <p:cond delay="0"/>
                                           </p:stCondLst>
@@ -11617,7 +11724,7 @@
                                     </p:set>
                                     <p:animEffect transition="in" filter="fade">
                                       <p:cBhvr>
-                                        <p:cTn id="19" dur="1000"/>
+                                        <p:cTn id="21" dur="1000"/>
                                         <p:tgtEl>
                                           <p:spTgt spid="10"/>
                                         </p:tgtEl>
@@ -11627,14 +11734,14 @@
                                 </p:cTn>
                               </p:par>
                               <p:par>
-                                <p:cTn id="20" presetID="1" presetClass="entr" presetSubtype="0" fill="hold" grpId="0" nodeType="withEffect">
+                                <p:cTn id="22" presetID="1" presetClass="entr" presetSubtype="0" fill="hold" grpId="0" nodeType="withEffect">
                                   <p:stCondLst>
                                     <p:cond delay="0"/>
                                   </p:stCondLst>
                                   <p:childTnLst>
                                     <p:set>
                                       <p:cBhvr>
-                                        <p:cTn id="21" dur="1" fill="hold">
+                                        <p:cTn id="23" dur="1" fill="hold">
                                           <p:stCondLst>
                                             <p:cond delay="0"/>
                                           </p:stCondLst>
@@ -11684,6 +11791,7 @@
       <p:bldP spid="15" grpId="0" animBg="1"/>
       <p:bldP spid="18" grpId="0"/>
       <p:bldP spid="19" grpId="0"/>
+      <p:bldP spid="2" grpId="0"/>
     </p:bldLst>
   </p:timing>
 </p:sld>
@@ -12356,15 +12464,33 @@
                                   </p:childTnLst>
                                 </p:cTn>
                               </p:par>
+                            </p:childTnLst>
+                          </p:cTn>
+                        </p:par>
+                      </p:childTnLst>
+                    </p:cTn>
+                  </p:par>
+                  <p:par>
+                    <p:cTn id="11" fill="hold">
+                      <p:stCondLst>
+                        <p:cond delay="indefinite"/>
+                      </p:stCondLst>
+                      <p:childTnLst>
+                        <p:par>
+                          <p:cTn id="12" fill="hold">
+                            <p:stCondLst>
+                              <p:cond delay="0"/>
+                            </p:stCondLst>
+                            <p:childTnLst>
                               <p:par>
-                                <p:cTn id="11" presetID="10" presetClass="entr" presetSubtype="0" fill="hold" nodeType="withEffect">
+                                <p:cTn id="13" presetID="10" presetClass="entr" presetSubtype="0" fill="hold" nodeType="clickEffect">
                                   <p:stCondLst>
                                     <p:cond delay="0"/>
                                   </p:stCondLst>
                                   <p:childTnLst>
                                     <p:set>
                                       <p:cBhvr>
-                                        <p:cTn id="12" dur="1" fill="hold">
+                                        <p:cTn id="14" dur="1" fill="hold">
                                           <p:stCondLst>
                                             <p:cond delay="0"/>
                                           </p:stCondLst>
@@ -12382,7 +12508,7 @@
                                     </p:set>
                                     <p:animEffect transition="in" filter="fade">
                                       <p:cBhvr>
-                                        <p:cTn id="13" dur="500"/>
+                                        <p:cTn id="15" dur="500"/>
                                         <p:tgtEl>
                                           <p:spTgt spid="12"/>
                                         </p:tgtEl>
@@ -12391,26 +12517,8 @@
                                   </p:childTnLst>
                                 </p:cTn>
                               </p:par>
-                            </p:childTnLst>
-                          </p:cTn>
-                        </p:par>
-                      </p:childTnLst>
-                    </p:cTn>
-                  </p:par>
-                  <p:par>
-                    <p:cTn id="14" fill="hold">
-                      <p:stCondLst>
-                        <p:cond delay="indefinite"/>
-                      </p:stCondLst>
-                      <p:childTnLst>
-                        <p:par>
-                          <p:cTn id="15" fill="hold">
-                            <p:stCondLst>
-                              <p:cond delay="0"/>
-                            </p:stCondLst>
-                            <p:childTnLst>
                               <p:par>
-                                <p:cTn id="16" presetID="2" presetClass="entr" presetSubtype="8" fill="hold" grpId="0" nodeType="clickEffect">
+                                <p:cTn id="16" presetID="2" presetClass="entr" presetSubtype="8" fill="hold" grpId="0" nodeType="withEffect">
                                   <p:stCondLst>
                                     <p:cond delay="0"/>
                                   </p:stCondLst>
@@ -12482,15 +12590,33 @@
                                   </p:childTnLst>
                                 </p:cTn>
                               </p:par>
+                            </p:childTnLst>
+                          </p:cTn>
+                        </p:par>
+                      </p:childTnLst>
+                    </p:cTn>
+                  </p:par>
+                  <p:par>
+                    <p:cTn id="20" fill="hold">
+                      <p:stCondLst>
+                        <p:cond delay="indefinite"/>
+                      </p:stCondLst>
+                      <p:childTnLst>
+                        <p:par>
+                          <p:cTn id="21" fill="hold">
+                            <p:stCondLst>
+                              <p:cond delay="0"/>
+                            </p:stCondLst>
+                            <p:childTnLst>
                               <p:par>
-                                <p:cTn id="20" presetID="10" presetClass="entr" presetSubtype="0" fill="hold" nodeType="withEffect">
+                                <p:cTn id="22" presetID="10" presetClass="entr" presetSubtype="0" fill="hold" nodeType="clickEffect">
                                   <p:stCondLst>
                                     <p:cond delay="0"/>
                                   </p:stCondLst>
                                   <p:childTnLst>
                                     <p:set>
                                       <p:cBhvr>
-                                        <p:cTn id="21" dur="1" fill="hold">
+                                        <p:cTn id="23" dur="1" fill="hold">
                                           <p:stCondLst>
                                             <p:cond delay="0"/>
                                           </p:stCondLst>
@@ -12508,7 +12634,7 @@
                                     </p:set>
                                     <p:animEffect transition="in" filter="fade">
                                       <p:cBhvr>
-                                        <p:cTn id="22" dur="500"/>
+                                        <p:cTn id="24" dur="500"/>
                                         <p:tgtEl>
                                           <p:spTgt spid="14"/>
                                         </p:tgtEl>
@@ -12517,26 +12643,8 @@
                                   </p:childTnLst>
                                 </p:cTn>
                               </p:par>
-                            </p:childTnLst>
-                          </p:cTn>
-                        </p:par>
-                      </p:childTnLst>
-                    </p:cTn>
-                  </p:par>
-                  <p:par>
-                    <p:cTn id="23" fill="hold">
-                      <p:stCondLst>
-                        <p:cond delay="indefinite"/>
-                      </p:stCondLst>
-                      <p:childTnLst>
-                        <p:par>
-                          <p:cTn id="24" fill="hold">
-                            <p:stCondLst>
-                              <p:cond delay="0"/>
-                            </p:stCondLst>
-                            <p:childTnLst>
                               <p:par>
-                                <p:cTn id="25" presetID="2" presetClass="entr" presetSubtype="2" fill="hold" grpId="0" nodeType="clickEffect">
+                                <p:cTn id="25" presetID="2" presetClass="entr" presetSubtype="2" fill="hold" grpId="0" nodeType="withEffect">
                                   <p:stCondLst>
                                     <p:cond delay="0"/>
                                   </p:stCondLst>
@@ -13788,7 +13896,7 @@
                 </a:solidFill>
                 <a:latin typeface="-apple-system"/>
               </a:rPr>
-              <a:t>85.3%</a:t>
+              <a:t>14.7 %</a:t>
             </a:r>
             <a:r>
               <a:rPr lang="en-US" sz="2400" b="1" i="0" dirty="0">
@@ -13824,7 +13932,7 @@
                 </a:solidFill>
                 <a:latin typeface="-apple-system"/>
               </a:rPr>
-              <a:t>14.7</a:t>
+              <a:t>85.3%</a:t>
             </a:r>
             <a:endParaRPr lang="en-US" sz="2400" b="1" i="0" dirty="0">
               <a:ln/>
@@ -14697,7 +14805,7 @@
                 </a:solidFill>
                 <a:latin typeface="-apple-system"/>
               </a:rPr>
-              <a:t>14.7</a:t>
+              <a:t>14.7%</a:t>
             </a:r>
             <a:endParaRPr lang="en-US" sz="2400" b="1" i="0" dirty="0">
               <a:ln/>
@@ -14852,6 +14960,53 @@
           </a:prstGeom>
         </p:spPr>
       </p:pic>
+      <p:sp>
+        <p:nvSpPr>
+          <p:cNvPr id="2" name="TextBox 1">
+            <a:extLst>
+              <a:ext uri="{FF2B5EF4-FFF2-40B4-BE49-F238E27FC236}">
+                <a16:creationId xmlns:a16="http://schemas.microsoft.com/office/drawing/2014/main" id="{A0AC5817-75D1-693E-C698-EF0E54E001D6}"/>
+              </a:ext>
+            </a:extLst>
+          </p:cNvPr>
+          <p:cNvSpPr txBox="1"/>
+          <p:nvPr/>
+        </p:nvSpPr>
+        <p:spPr>
+          <a:xfrm>
+            <a:off x="210343" y="5819710"/>
+            <a:ext cx="11478166" cy="830997"/>
+          </a:xfrm>
+          <a:prstGeom prst="rect">
+            <a:avLst/>
+          </a:prstGeom>
+          <a:noFill/>
+        </p:spPr>
+        <p:txBody>
+          <a:bodyPr wrap="square" rtlCol="0">
+            <a:spAutoFit/>
+          </a:bodyPr>
+          <a:lstStyle/>
+          <a:p>
+            <a:r>
+              <a:rPr lang="en-US" sz="2400" i="0" dirty="0">
+                <a:solidFill>
+                  <a:srgbClr val="FFC000"/>
+                </a:solidFill>
+                <a:effectLst/>
+                <a:latin typeface="Perpetua" panose="02020502060401020303" pitchFamily="18" charset="0"/>
+              </a:rPr>
+              <a:t>IPS stands for in-plane switching, a type of LED (a form of LCD) display panel technology. IPS panels are characterized as having the best color and viewing angles.</a:t>
+            </a:r>
+            <a:endParaRPr lang="en-US" sz="2400" dirty="0">
+              <a:solidFill>
+                <a:srgbClr val="FFC000"/>
+              </a:solidFill>
+              <a:latin typeface="Perpetua" panose="02020502060401020303" pitchFamily="18" charset="0"/>
+            </a:endParaRPr>
+          </a:p>
+        </p:txBody>
+      </p:sp>
     </p:spTree>
     <p:extLst>
       <p:ext uri="{BB962C8B-B14F-4D97-AF65-F5344CB8AC3E}">
@@ -14973,7 +15128,7 @@
                             </p:stCondLst>
                             <p:childTnLst>
                               <p:par>
-                                <p:cTn id="13" presetID="10" presetClass="entr" presetSubtype="0" fill="hold" nodeType="clickEffect">
+                                <p:cTn id="13" presetID="1" presetClass="entr" presetSubtype="0" fill="hold" grpId="0" nodeType="clickEffect">
                                   <p:stCondLst>
                                     <p:cond delay="0"/>
                                   </p:stCondLst>
@@ -14981,6 +15136,51 @@
                                     <p:set>
                                       <p:cBhvr>
                                         <p:cTn id="14" dur="1" fill="hold">
+                                          <p:stCondLst>
+                                            <p:cond delay="0"/>
+                                          </p:stCondLst>
+                                        </p:cTn>
+                                        <p:tgtEl>
+                                          <p:spTgt spid="2"/>
+                                        </p:tgtEl>
+                                        <p:attrNameLst>
+                                          <p:attrName>style.visibility</p:attrName>
+                                        </p:attrNameLst>
+                                      </p:cBhvr>
+                                      <p:to>
+                                        <p:strVal val="visible"/>
+                                      </p:to>
+                                    </p:set>
+                                  </p:childTnLst>
+                                </p:cTn>
+                              </p:par>
+                            </p:childTnLst>
+                          </p:cTn>
+                        </p:par>
+                      </p:childTnLst>
+                    </p:cTn>
+                  </p:par>
+                  <p:par>
+                    <p:cTn id="15" fill="hold">
+                      <p:stCondLst>
+                        <p:cond delay="indefinite"/>
+                      </p:stCondLst>
+                      <p:childTnLst>
+                        <p:par>
+                          <p:cTn id="16" fill="hold">
+                            <p:stCondLst>
+                              <p:cond delay="0"/>
+                            </p:stCondLst>
+                            <p:childTnLst>
+                              <p:par>
+                                <p:cTn id="17" presetID="10" presetClass="entr" presetSubtype="0" fill="hold" nodeType="clickEffect">
+                                  <p:stCondLst>
+                                    <p:cond delay="0"/>
+                                  </p:stCondLst>
+                                  <p:childTnLst>
+                                    <p:set>
+                                      <p:cBhvr>
+                                        <p:cTn id="18" dur="1" fill="hold">
                                           <p:stCondLst>
                                             <p:cond delay="0"/>
                                           </p:stCondLst>
@@ -14998,7 +15198,7 @@
                                     </p:set>
                                     <p:animEffect transition="in" filter="fade">
                                       <p:cBhvr>
-                                        <p:cTn id="15" dur="500"/>
+                                        <p:cTn id="19" dur="500"/>
                                         <p:tgtEl>
                                           <p:spTgt spid="3"/>
                                         </p:tgtEl>
@@ -15008,14 +15208,14 @@
                                 </p:cTn>
                               </p:par>
                               <p:par>
-                                <p:cTn id="16" presetID="2" presetClass="entr" presetSubtype="8" fill="hold" grpId="0" nodeType="withEffect">
+                                <p:cTn id="20" presetID="2" presetClass="entr" presetSubtype="8" fill="hold" grpId="0" nodeType="withEffect">
                                   <p:stCondLst>
                                     <p:cond delay="0"/>
                                   </p:stCondLst>
                                   <p:childTnLst>
                                     <p:set>
                                       <p:cBhvr>
-                                        <p:cTn id="17" dur="1" fill="hold">
+                                        <p:cTn id="21" dur="1" fill="hold">
                                           <p:stCondLst>
                                             <p:cond delay="0"/>
                                           </p:stCondLst>
@@ -15033,7 +15233,7 @@
                                     </p:set>
                                     <p:anim calcmode="lin" valueType="num">
                                       <p:cBhvr additive="base">
-                                        <p:cTn id="18" dur="500" fill="hold"/>
+                                        <p:cTn id="22" dur="500" fill="hold"/>
                                         <p:tgtEl>
                                           <p:spTgt spid="18"/>
                                         </p:tgtEl>
@@ -15056,7 +15256,7 @@
                                     </p:anim>
                                     <p:anim calcmode="lin" valueType="num">
                                       <p:cBhvr additive="base">
-                                        <p:cTn id="19" dur="500" fill="hold"/>
+                                        <p:cTn id="23" dur="500" fill="hold"/>
                                         <p:tgtEl>
                                           <p:spTgt spid="18"/>
                                         </p:tgtEl>
@@ -15087,26 +15287,26 @@
                     </p:cTn>
                   </p:par>
                   <p:par>
-                    <p:cTn id="20" fill="hold">
+                    <p:cTn id="24" fill="hold">
                       <p:stCondLst>
                         <p:cond delay="indefinite"/>
                       </p:stCondLst>
                       <p:childTnLst>
                         <p:par>
-                          <p:cTn id="21" fill="hold">
+                          <p:cTn id="25" fill="hold">
                             <p:stCondLst>
                               <p:cond delay="0"/>
                             </p:stCondLst>
                             <p:childTnLst>
                               <p:par>
-                                <p:cTn id="22" presetID="10" presetClass="entr" presetSubtype="0" fill="hold" nodeType="clickEffect">
+                                <p:cTn id="26" presetID="10" presetClass="entr" presetSubtype="0" fill="hold" nodeType="clickEffect">
                                   <p:stCondLst>
                                     <p:cond delay="0"/>
                                   </p:stCondLst>
                                   <p:childTnLst>
                                     <p:set>
                                       <p:cBhvr>
-                                        <p:cTn id="23" dur="1" fill="hold">
+                                        <p:cTn id="27" dur="1" fill="hold">
                                           <p:stCondLst>
                                             <p:cond delay="0"/>
                                           </p:stCondLst>
@@ -15124,7 +15324,7 @@
                                     </p:set>
                                     <p:animEffect transition="in" filter="fade">
                                       <p:cBhvr>
-                                        <p:cTn id="24" dur="500"/>
+                                        <p:cTn id="28" dur="500"/>
                                         <p:tgtEl>
                                           <p:spTgt spid="6"/>
                                         </p:tgtEl>
@@ -15134,14 +15334,14 @@
                                 </p:cTn>
                               </p:par>
                               <p:par>
-                                <p:cTn id="25" presetID="2" presetClass="entr" presetSubtype="2" fill="hold" grpId="0" nodeType="withEffect">
+                                <p:cTn id="29" presetID="2" presetClass="entr" presetSubtype="2" fill="hold" grpId="0" nodeType="withEffect">
                                   <p:stCondLst>
                                     <p:cond delay="0"/>
                                   </p:stCondLst>
                                   <p:childTnLst>
                                     <p:set>
                                       <p:cBhvr>
-                                        <p:cTn id="26" dur="1" fill="hold">
+                                        <p:cTn id="30" dur="1" fill="hold">
                                           <p:stCondLst>
                                             <p:cond delay="0"/>
                                           </p:stCondLst>
@@ -15159,7 +15359,7 @@
                                     </p:set>
                                     <p:anim calcmode="lin" valueType="num">
                                       <p:cBhvr additive="base">
-                                        <p:cTn id="27" dur="500" fill="hold"/>
+                                        <p:cTn id="31" dur="500" fill="hold"/>
                                         <p:tgtEl>
                                           <p:spTgt spid="19"/>
                                         </p:tgtEl>
@@ -15182,7 +15382,7 @@
                                     </p:anim>
                                     <p:anim calcmode="lin" valueType="num">
                                       <p:cBhvr additive="base">
-                                        <p:cTn id="28" dur="500" fill="hold"/>
+                                        <p:cTn id="32" dur="500" fill="hold"/>
                                         <p:tgtEl>
                                           <p:spTgt spid="19"/>
                                         </p:tgtEl>
@@ -15238,6 +15438,7 @@
       <p:bldP spid="16" grpId="0"/>
       <p:bldP spid="18" grpId="0"/>
       <p:bldP spid="19" grpId="0"/>
+      <p:bldP spid="2" grpId="0"/>
     </p:bldLst>
   </p:timing>
 </p:sld>
@@ -15534,7 +15735,7 @@
                 </a:solidFill>
                 <a:latin typeface="-apple-system"/>
               </a:rPr>
-              <a:t>Notebook</a:t>
+              <a:t>Intel</a:t>
             </a:r>
             <a:endParaRPr lang="en-US" sz="2400" b="1" dirty="0">
               <a:ln/>
@@ -15560,7 +15761,7 @@
         <p:spPr>
           <a:xfrm>
             <a:off x="4817110" y="3553395"/>
-            <a:ext cx="2934970" cy="1569660"/>
+            <a:ext cx="2934970" cy="830997"/>
           </a:xfrm>
           <a:prstGeom prst="rect">
             <a:avLst/>
@@ -15607,33 +15808,7 @@
                 </a:solidFill>
                 <a:latin typeface="-apple-system"/>
               </a:rPr>
-              <a:t>Workstation</a:t>
-            </a:r>
-          </a:p>
-          <a:p>
-            <a:pPr algn="ctr"/>
-            <a:r>
-              <a:rPr lang="en-US" sz="2400" b="1" i="0" dirty="0">
-                <a:ln/>
-                <a:solidFill>
-                  <a:srgbClr val="C00000"/>
-                </a:solidFill>
-                <a:latin typeface="-apple-system"/>
-              </a:rPr>
-              <a:t>Gaming</a:t>
-            </a:r>
-          </a:p>
-          <a:p>
-            <a:pPr algn="ctr"/>
-            <a:r>
-              <a:rPr lang="en-US" sz="2400" b="1" i="0" dirty="0">
-                <a:ln/>
-                <a:solidFill>
-                  <a:srgbClr val="C00000"/>
-                </a:solidFill>
-                <a:latin typeface="-apple-system"/>
-              </a:rPr>
-              <a:t>Ultrabook</a:t>
+              <a:t>Intel</a:t>
             </a:r>
             <a:endParaRPr lang="en-US" sz="2400" b="1" dirty="0">
               <a:ln/>
@@ -16319,7 +16494,7 @@
                 </a:solidFill>
                 <a:latin typeface="Amasis MT Pro Black" panose="02040A04050005020304" pitchFamily="18" charset="0"/>
               </a:rPr>
-              <a:t>What is the average price of each RAM capacity?</a:t>
+              <a:t>What is the relation between Ram and Price?</a:t>
             </a:r>
           </a:p>
         </p:txBody>
@@ -16429,7 +16604,7 @@
         <p:spPr>
           <a:xfrm>
             <a:off x="4796790" y="3798780"/>
-            <a:ext cx="2934970" cy="1569660"/>
+            <a:ext cx="2934970" cy="1200329"/>
           </a:xfrm>
           <a:prstGeom prst="rect">
             <a:avLst/>
@@ -16453,19 +16628,6 @@
             </a:sp3d>
           </a:bodyPr>
           <a:lstStyle/>
-          <a:p>
-            <a:pPr algn="ctr"/>
-            <a:r>
-              <a:rPr lang="en-US" sz="2400" b="1" i="0" u="sng" dirty="0">
-                <a:ln/>
-                <a:solidFill>
-                  <a:srgbClr val="C00000"/>
-                </a:solidFill>
-                <a:latin typeface="-apple-system"/>
-              </a:rPr>
-              <a:t>Higher Price Range</a:t>
-            </a:r>
-          </a:p>
           <a:p>
             <a:pPr algn="ctr"/>
             <a:r>
@@ -22537,7 +22699,7 @@
                 <a:effectLst/>
                 <a:latin typeface="Candara" panose="020E0502030303020204" pitchFamily="34" charset="0"/>
               </a:rPr>
-              <a:t>The only problem is we are having less data but we will obtain a good accuracy over it. The only good thing is. it is better to have a large data.</a:t>
+              <a:t>The only problem is we are having less data but we will obtain a good accuracy over it. The only good thing is, it is better to have a large data.</a:t>
             </a:r>
           </a:p>
           <a:p>
@@ -24086,7 +24248,7 @@
         </p:nvSpPr>
         <p:spPr>
           <a:xfrm>
-            <a:off x="3481450" y="2301173"/>
+            <a:off x="3123676" y="2301491"/>
             <a:ext cx="3174015" cy="1560355"/>
           </a:xfrm>
           <a:prstGeom prst="rightArrow">
@@ -24126,7 +24288,7 @@
                   </a:outerShdw>
                 </a:effectLst>
               </a:rPr>
-              <a:t>Feature Engineering</a:t>
+              <a:t>Data Wrangling</a:t>
             </a:r>
             <a:endParaRPr lang="en-US" sz="2400" b="1" dirty="0">
               <a:ln w="12700">
@@ -25093,7 +25255,7 @@
         </p:nvSpPr>
         <p:spPr>
           <a:xfrm>
-            <a:off x="3950213" y="2068137"/>
+            <a:off x="3674307" y="2178710"/>
             <a:ext cx="3174015" cy="1560355"/>
           </a:xfrm>
           <a:prstGeom prst="rightArrow">
@@ -25133,7 +25295,7 @@
                   </a:outerShdw>
                 </a:effectLst>
               </a:rPr>
-              <a:t>Feature Engineering</a:t>
+              <a:t>Data Wrangling</a:t>
             </a:r>
             <a:endParaRPr lang="en-US" sz="2400" b="1" dirty="0">
               <a:ln w="12700">
@@ -25816,7 +25978,7 @@
                   </a:outerShdw>
                 </a:effectLst>
               </a:rPr>
-              <a:t>Feature Engineering</a:t>
+              <a:t>Data Wrangling</a:t>
             </a:r>
             <a:endParaRPr lang="en-US" sz="1600" b="1" dirty="0">
               <a:ln w="12700">
@@ -26481,7 +26643,7 @@
         </p:nvSpPr>
         <p:spPr>
           <a:xfrm>
-            <a:off x="3481450" y="2301173"/>
+            <a:off x="3123676" y="2516415"/>
             <a:ext cx="3174015" cy="1560355"/>
           </a:xfrm>
           <a:prstGeom prst="rightArrow">
@@ -26521,7 +26683,7 @@
                   </a:outerShdw>
                 </a:effectLst>
               </a:rPr>
-              <a:t>Feature Engineering</a:t>
+              <a:t>Data Wrangling</a:t>
             </a:r>
             <a:endParaRPr lang="en-US" sz="2400" b="1" dirty="0">
               <a:ln w="12700">
